--- a/Week16/03 Dog Rescue - Retrieve Location by ID.pptx
+++ b/Week16/03 Dog Rescue - Retrieve Location by ID.pptx
@@ -118,6 +118,35 @@
 </p:presentation>
 </file>
 
+<file path=ppt/changesInfos/changesInfo1.xml><?xml version="1.0" encoding="utf-8"?>
+<pc:chgInfo xmlns:a="http://schemas.openxmlformats.org/drawingml/2006/main" xmlns:r="http://schemas.openxmlformats.org/officeDocument/2006/relationships" xmlns:ac="http://schemas.microsoft.com/office/drawing/2013/main/command" xmlns:pc="http://schemas.microsoft.com/office/powerpoint/2013/main/command">
+  <pc:docChgLst>
+    <pc:chgData name="Chuck Kiefriter" userId="a996b49251c4dfd2" providerId="LiveId" clId="{2B6A625E-CCC6-466C-869F-86A22870442D}"/>
+    <pc:docChg chg="modSld">
+      <pc:chgData name="Chuck Kiefriter" userId="a996b49251c4dfd2" providerId="LiveId" clId="{2B6A625E-CCC6-466C-869F-86A22870442D}" dt="2024-04-02T21:46:07.342" v="0" actId="14100"/>
+      <pc:docMkLst>
+        <pc:docMk/>
+      </pc:docMkLst>
+      <pc:sldChg chg="modSp mod">
+        <pc:chgData name="Chuck Kiefriter" userId="a996b49251c4dfd2" providerId="LiveId" clId="{2B6A625E-CCC6-466C-869F-86A22870442D}" dt="2024-04-02T21:46:07.342" v="0" actId="14100"/>
+        <pc:sldMkLst>
+          <pc:docMk/>
+          <pc:sldMk cId="553959775" sldId="258"/>
+        </pc:sldMkLst>
+        <pc:spChg chg="mod">
+          <ac:chgData name="Chuck Kiefriter" userId="a996b49251c4dfd2" providerId="LiveId" clId="{2B6A625E-CCC6-466C-869F-86A22870442D}" dt="2024-04-02T21:46:07.342" v="0" actId="14100"/>
+          <ac:spMkLst>
+            <pc:docMk/>
+            <pc:sldMk cId="553959775" sldId="258"/>
+            <ac:spMk id="3" creationId="{87338E1B-E828-F966-079B-67D7D40CBD4E}"/>
+          </ac:spMkLst>
+        </pc:spChg>
+      </pc:sldChg>
+    </pc:docChg>
+  </pc:docChgLst>
+</pc:chgInfo>
+</file>
+
 <file path=ppt/slideLayouts/slideLayout1.xml><?xml version="1.0" encoding="utf-8"?>
 <p:sldLayout xmlns:a="http://schemas.openxmlformats.org/drawingml/2006/main" xmlns:r="http://schemas.openxmlformats.org/officeDocument/2006/relationships" xmlns:p="http://schemas.openxmlformats.org/presentationml/2006/main" type="title" preserve="1">
   <p:cSld name="Title Slide">
@@ -249,7 +278,7 @@
           <a:p>
             <a:fld id="{9ECD98A2-EB47-4850-ADCD-5320D2D37857}" type="datetimeFigureOut">
               <a:rPr lang="en-US" smtClean="0"/>
-              <a:t>12/8/2022</a:t>
+              <a:t>4/2/2024</a:t>
             </a:fld>
             <a:endParaRPr lang="en-US"/>
           </a:p>
@@ -419,7 +448,7 @@
           <a:p>
             <a:fld id="{9ECD98A2-EB47-4850-ADCD-5320D2D37857}" type="datetimeFigureOut">
               <a:rPr lang="en-US" smtClean="0"/>
-              <a:t>12/8/2022</a:t>
+              <a:t>4/2/2024</a:t>
             </a:fld>
             <a:endParaRPr lang="en-US"/>
           </a:p>
@@ -599,7 +628,7 @@
           <a:p>
             <a:fld id="{9ECD98A2-EB47-4850-ADCD-5320D2D37857}" type="datetimeFigureOut">
               <a:rPr lang="en-US" smtClean="0"/>
-              <a:t>12/8/2022</a:t>
+              <a:t>4/2/2024</a:t>
             </a:fld>
             <a:endParaRPr lang="en-US"/>
           </a:p>
@@ -769,7 +798,7 @@
           <a:p>
             <a:fld id="{9ECD98A2-EB47-4850-ADCD-5320D2D37857}" type="datetimeFigureOut">
               <a:rPr lang="en-US" smtClean="0"/>
-              <a:t>12/8/2022</a:t>
+              <a:t>4/2/2024</a:t>
             </a:fld>
             <a:endParaRPr lang="en-US"/>
           </a:p>
@@ -1015,7 +1044,7 @@
           <a:p>
             <a:fld id="{9ECD98A2-EB47-4850-ADCD-5320D2D37857}" type="datetimeFigureOut">
               <a:rPr lang="en-US" smtClean="0"/>
-              <a:t>12/8/2022</a:t>
+              <a:t>4/2/2024</a:t>
             </a:fld>
             <a:endParaRPr lang="en-US"/>
           </a:p>
@@ -1247,7 +1276,7 @@
           <a:p>
             <a:fld id="{9ECD98A2-EB47-4850-ADCD-5320D2D37857}" type="datetimeFigureOut">
               <a:rPr lang="en-US" smtClean="0"/>
-              <a:t>12/8/2022</a:t>
+              <a:t>4/2/2024</a:t>
             </a:fld>
             <a:endParaRPr lang="en-US"/>
           </a:p>
@@ -1614,7 +1643,7 @@
           <a:p>
             <a:fld id="{9ECD98A2-EB47-4850-ADCD-5320D2D37857}" type="datetimeFigureOut">
               <a:rPr lang="en-US" smtClean="0"/>
-              <a:t>12/8/2022</a:t>
+              <a:t>4/2/2024</a:t>
             </a:fld>
             <a:endParaRPr lang="en-US"/>
           </a:p>
@@ -1732,7 +1761,7 @@
           <a:p>
             <a:fld id="{9ECD98A2-EB47-4850-ADCD-5320D2D37857}" type="datetimeFigureOut">
               <a:rPr lang="en-US" smtClean="0"/>
-              <a:t>12/8/2022</a:t>
+              <a:t>4/2/2024</a:t>
             </a:fld>
             <a:endParaRPr lang="en-US"/>
           </a:p>
@@ -1827,7 +1856,7 @@
           <a:p>
             <a:fld id="{9ECD98A2-EB47-4850-ADCD-5320D2D37857}" type="datetimeFigureOut">
               <a:rPr lang="en-US" smtClean="0"/>
-              <a:t>12/8/2022</a:t>
+              <a:t>4/2/2024</a:t>
             </a:fld>
             <a:endParaRPr lang="en-US"/>
           </a:p>
@@ -2104,7 +2133,7 @@
           <a:p>
             <a:fld id="{9ECD98A2-EB47-4850-ADCD-5320D2D37857}" type="datetimeFigureOut">
               <a:rPr lang="en-US" smtClean="0"/>
-              <a:t>12/8/2022</a:t>
+              <a:t>4/2/2024</a:t>
             </a:fld>
             <a:endParaRPr lang="en-US"/>
           </a:p>
@@ -2361,7 +2390,7 @@
           <a:p>
             <a:fld id="{9ECD98A2-EB47-4850-ADCD-5320D2D37857}" type="datetimeFigureOut">
               <a:rPr lang="en-US" smtClean="0"/>
-              <a:t>12/8/2022</a:t>
+              <a:t>4/2/2024</a:t>
             </a:fld>
             <a:endParaRPr lang="en-US"/>
           </a:p>
@@ -2574,7 +2603,7 @@
           <a:p>
             <a:fld id="{9ECD98A2-EB47-4850-ADCD-5320D2D37857}" type="datetimeFigureOut">
               <a:rPr lang="en-US" smtClean="0"/>
-              <a:t>12/8/2022</a:t>
+              <a:t>4/2/2024</a:t>
             </a:fld>
             <a:endParaRPr lang="en-US"/>
           </a:p>
@@ -3272,7 +3301,7 @@
         <p:spPr>
           <a:xfrm>
             <a:off x="838200" y="1825625"/>
-            <a:ext cx="5995737" cy="4351338"/>
+            <a:ext cx="10875264" cy="4351338"/>
           </a:xfrm>
         </p:spPr>
         <p:txBody>

--- a/Week16/03 Dog Rescue - Retrieve Location by ID.pptx
+++ b/Week16/03 Dog Rescue - Retrieve Location by ID.pptx
@@ -133,14 +133,22 @@
           <pc:docMk/>
           <pc:sldMk cId="553959775" sldId="258"/>
         </pc:sldMkLst>
-        <pc:spChg chg="mod">
-          <ac:chgData name="Chuck Kiefriter" userId="a996b49251c4dfd2" providerId="LiveId" clId="{2B6A625E-CCC6-466C-869F-86A22870442D}" dt="2024-04-02T21:46:07.342" v="0" actId="14100"/>
-          <ac:spMkLst>
-            <pc:docMk/>
-            <pc:sldMk cId="553959775" sldId="258"/>
-            <ac:spMk id="3" creationId="{87338E1B-E828-F966-079B-67D7D40CBD4E}"/>
-          </ac:spMkLst>
-        </pc:spChg>
+      </pc:sldChg>
+    </pc:docChg>
+  </pc:docChgLst>
+  <pc:docChgLst>
+    <pc:chgData name="Chuck Kiefriter" userId="a996b49251c4dfd2" providerId="LiveId" clId="{86A01C0C-B32C-46BC-8682-F261EC3E5DCA}"/>
+    <pc:docChg chg="modSld sldOrd">
+      <pc:chgData name="Chuck Kiefriter" userId="a996b49251c4dfd2" providerId="LiveId" clId="{86A01C0C-B32C-46BC-8682-F261EC3E5DCA}" dt="2025-09-17T00:23:24.688" v="1"/>
+      <pc:docMkLst>
+        <pc:docMk/>
+      </pc:docMkLst>
+      <pc:sldChg chg="ord">
+        <pc:chgData name="Chuck Kiefriter" userId="a996b49251c4dfd2" providerId="LiveId" clId="{86A01C0C-B32C-46BC-8682-F261EC3E5DCA}" dt="2025-09-17T00:23:24.688" v="1"/>
+        <pc:sldMkLst>
+          <pc:docMk/>
+          <pc:sldMk cId="540307567" sldId="260"/>
+        </pc:sldMkLst>
       </pc:sldChg>
     </pc:docChg>
   </pc:docChgLst>
@@ -278,7 +286,7 @@
           <a:p>
             <a:fld id="{9ECD98A2-EB47-4850-ADCD-5320D2D37857}" type="datetimeFigureOut">
               <a:rPr lang="en-US" smtClean="0"/>
-              <a:t>4/2/2024</a:t>
+              <a:t>9/16/2025</a:t>
             </a:fld>
             <a:endParaRPr lang="en-US"/>
           </a:p>
@@ -448,7 +456,7 @@
           <a:p>
             <a:fld id="{9ECD98A2-EB47-4850-ADCD-5320D2D37857}" type="datetimeFigureOut">
               <a:rPr lang="en-US" smtClean="0"/>
-              <a:t>4/2/2024</a:t>
+              <a:t>9/16/2025</a:t>
             </a:fld>
             <a:endParaRPr lang="en-US"/>
           </a:p>
@@ -628,7 +636,7 @@
           <a:p>
             <a:fld id="{9ECD98A2-EB47-4850-ADCD-5320D2D37857}" type="datetimeFigureOut">
               <a:rPr lang="en-US" smtClean="0"/>
-              <a:t>4/2/2024</a:t>
+              <a:t>9/16/2025</a:t>
             </a:fld>
             <a:endParaRPr lang="en-US"/>
           </a:p>
@@ -798,7 +806,7 @@
           <a:p>
             <a:fld id="{9ECD98A2-EB47-4850-ADCD-5320D2D37857}" type="datetimeFigureOut">
               <a:rPr lang="en-US" smtClean="0"/>
-              <a:t>4/2/2024</a:t>
+              <a:t>9/16/2025</a:t>
             </a:fld>
             <a:endParaRPr lang="en-US"/>
           </a:p>
@@ -1044,7 +1052,7 @@
           <a:p>
             <a:fld id="{9ECD98A2-EB47-4850-ADCD-5320D2D37857}" type="datetimeFigureOut">
               <a:rPr lang="en-US" smtClean="0"/>
-              <a:t>4/2/2024</a:t>
+              <a:t>9/16/2025</a:t>
             </a:fld>
             <a:endParaRPr lang="en-US"/>
           </a:p>
@@ -1276,7 +1284,7 @@
           <a:p>
             <a:fld id="{9ECD98A2-EB47-4850-ADCD-5320D2D37857}" type="datetimeFigureOut">
               <a:rPr lang="en-US" smtClean="0"/>
-              <a:t>4/2/2024</a:t>
+              <a:t>9/16/2025</a:t>
             </a:fld>
             <a:endParaRPr lang="en-US"/>
           </a:p>
@@ -1643,7 +1651,7 @@
           <a:p>
             <a:fld id="{9ECD98A2-EB47-4850-ADCD-5320D2D37857}" type="datetimeFigureOut">
               <a:rPr lang="en-US" smtClean="0"/>
-              <a:t>4/2/2024</a:t>
+              <a:t>9/16/2025</a:t>
             </a:fld>
             <a:endParaRPr lang="en-US"/>
           </a:p>
@@ -1761,7 +1769,7 @@
           <a:p>
             <a:fld id="{9ECD98A2-EB47-4850-ADCD-5320D2D37857}" type="datetimeFigureOut">
               <a:rPr lang="en-US" smtClean="0"/>
-              <a:t>4/2/2024</a:t>
+              <a:t>9/16/2025</a:t>
             </a:fld>
             <a:endParaRPr lang="en-US"/>
           </a:p>
@@ -1856,7 +1864,7 @@
           <a:p>
             <a:fld id="{9ECD98A2-EB47-4850-ADCD-5320D2D37857}" type="datetimeFigureOut">
               <a:rPr lang="en-US" smtClean="0"/>
-              <a:t>4/2/2024</a:t>
+              <a:t>9/16/2025</a:t>
             </a:fld>
             <a:endParaRPr lang="en-US"/>
           </a:p>
@@ -2133,7 +2141,7 @@
           <a:p>
             <a:fld id="{9ECD98A2-EB47-4850-ADCD-5320D2D37857}" type="datetimeFigureOut">
               <a:rPr lang="en-US" smtClean="0"/>
-              <a:t>4/2/2024</a:t>
+              <a:t>9/16/2025</a:t>
             </a:fld>
             <a:endParaRPr lang="en-US"/>
           </a:p>
@@ -2390,7 +2398,7 @@
           <a:p>
             <a:fld id="{9ECD98A2-EB47-4850-ADCD-5320D2D37857}" type="datetimeFigureOut">
               <a:rPr lang="en-US" smtClean="0"/>
-              <a:t>4/2/2024</a:t>
+              <a:t>9/16/2025</a:t>
             </a:fld>
             <a:endParaRPr lang="en-US"/>
           </a:p>
@@ -2603,7 +2611,7 @@
           <a:p>
             <a:fld id="{9ECD98A2-EB47-4850-ADCD-5320D2D37857}" type="datetimeFigureOut">
               <a:rPr lang="en-US" smtClean="0"/>
-              <a:t>4/2/2024</a:t>
+              <a:t>9/16/2025</a:t>
             </a:fld>
             <a:endParaRPr lang="en-US"/>
           </a:p>
